--- a/AndroidWorkshopMasterDetailFlow.pptx
+++ b/AndroidWorkshopMasterDetailFlow.pptx
@@ -32,9 +32,9 @@
     <p:sldId id="317" r:id="rId23"/>
     <p:sldId id="321" r:id="rId24"/>
     <p:sldId id="322" r:id="rId25"/>
-    <p:sldId id="323" r:id="rId26"/>
-    <p:sldId id="347" r:id="rId27"/>
-    <p:sldId id="324" r:id="rId28"/>
+    <p:sldId id="324" r:id="rId26"/>
+    <p:sldId id="323" r:id="rId27"/>
+    <p:sldId id="347" r:id="rId28"/>
     <p:sldId id="310" r:id="rId29"/>
     <p:sldId id="346" r:id="rId30"/>
     <p:sldId id="337" r:id="rId31"/>
@@ -3889,7 +3889,7 @@
                   <a:srgbClr val="FFFFFF"/>
                 </a:solidFill>
               </a:rPr>
-              <a:t>One Step One Tag</a:t>
+              <a:t>One Step = One Tag</a:t>
             </a:r>
             <a:endParaRPr sz="2800" b="1" dirty="0">
               <a:solidFill>
@@ -3979,7 +3979,7 @@
         </p:spPr>
         <p:txBody>
           <a:bodyPr lIns="0" tIns="0" rIns="0" bIns="0">
-            <a:normAutofit/>
+            <a:normAutofit fontScale="92500" lnSpcReduction="10000"/>
           </a:bodyPr>
           <a:lstStyle>
             <a:lvl1pPr marL="228600" indent="-228600" defTabSz="457200">
@@ -4231,15 +4231,44 @@
             </a:pPr>
             <a:r>
               <a:rPr lang="en-GB" sz="3600" dirty="0" smtClean="0"/>
-              <a:t>Follow the git checkout </a:t>
-            </a:r>
-            <a:r>
-              <a:rPr lang="en-GB" sz="3600" dirty="0" err="1" smtClean="0"/>
+              <a:t>Follow the </a:t>
+            </a:r>
+            <a:r>
+              <a:rPr lang="en-GB" sz="3600" i="1" dirty="0" smtClean="0"/>
+              <a:t>git checkout </a:t>
+            </a:r>
+            <a:r>
+              <a:rPr lang="en-GB" sz="3600" i="1" dirty="0" err="1" smtClean="0"/>
               <a:t>stepX</a:t>
             </a:r>
             <a:r>
+              <a:rPr lang="en-GB" sz="3600" i="1" dirty="0" smtClean="0"/>
+              <a:t> </a:t>
+            </a:r>
+            <a:r>
               <a:rPr lang="en-GB" sz="3600" dirty="0" smtClean="0"/>
-              <a:t> to move the code directly to the right step</a:t>
+              <a:t>to move the code directly to the right step</a:t>
+            </a:r>
+          </a:p>
+          <a:p>
+            <a:pPr marL="590550" lvl="1" indent="-342900">
+              <a:defRPr sz="1800">
+                <a:solidFill>
+                  <a:srgbClr val="000000"/>
+                </a:solidFill>
+              </a:defRPr>
+            </a:pPr>
+            <a:r>
+              <a:rPr lang="en-GB" sz="3600" dirty="0" smtClean="0"/>
+              <a:t>You can use </a:t>
+            </a:r>
+            <a:r>
+              <a:rPr lang="en-GB" sz="3600" i="1" dirty="0" smtClean="0"/>
+              <a:t>git reset --hard </a:t>
+            </a:r>
+            <a:r>
+              <a:rPr lang="en-GB" sz="3600" dirty="0" smtClean="0"/>
+              <a:t>to make sure you can follow the next step</a:t>
             </a:r>
             <a:endParaRPr lang="en-GB" sz="3600" dirty="0"/>
           </a:p>
@@ -8935,7 +8964,7 @@
                   <a:srgbClr val="FFFFFF"/>
                 </a:solidFill>
               </a:rPr>
-              <a:t>Compilation issues?</a:t>
+              <a:t>This requires to:</a:t>
             </a:r>
             <a:endParaRPr sz="2800" b="1" dirty="0">
               <a:solidFill>
@@ -9228,44 +9257,44 @@
                 </a:solidFill>
               </a:defRPr>
             </a:pPr>
+            <a:r>
+              <a:rPr lang="en-US" sz="3600" dirty="0" smtClean="0"/>
+              <a:t>Fix the compilation issues</a:t>
+            </a:r>
+          </a:p>
+          <a:p>
+            <a:pPr marL="342900" indent="-342900">
+              <a:defRPr sz="1800">
+                <a:solidFill>
+                  <a:srgbClr val="000000"/>
+                </a:solidFill>
+              </a:defRPr>
+            </a:pPr>
+            <a:r>
+              <a:rPr lang="en-US" sz="3600" dirty="0" smtClean="0"/>
+              <a:t>Create a new Application class to manage the Database</a:t>
+            </a:r>
+          </a:p>
+          <a:p>
+            <a:pPr marL="342900" indent="-342900">
+              <a:defRPr sz="1800">
+                <a:solidFill>
+                  <a:srgbClr val="000000"/>
+                </a:solidFill>
+              </a:defRPr>
+            </a:pPr>
+            <a:r>
+              <a:rPr lang="en-US" sz="3600" dirty="0" smtClean="0"/>
+              <a:t>Add create/save methods to the Presentation</a:t>
+            </a:r>
             <a:endParaRPr lang="en-US" sz="3600" dirty="0"/>
           </a:p>
         </p:txBody>
       </p:sp>
-      <p:pic>
-        <p:nvPicPr>
-          <p:cNvPr id="5" name="Picture 4" descr="Screen Shot 2015-02-20 at 09.00.35.png"/>
-          <p:cNvPicPr>
-            <a:picLocks noChangeAspect="1"/>
-          </p:cNvPicPr>
-          <p:nvPr/>
-        </p:nvPicPr>
-        <p:blipFill>
-          <a:blip r:embed="rId2" cstate="print">
-            <a:extLst>
-              <a:ext uri="{28A0092B-C50C-407E-A947-70E740481C1C}">
-                <a14:useLocalDpi xmlns:a14="http://schemas.microsoft.com/office/drawing/2010/main" val="0"/>
-              </a:ext>
-            </a:extLst>
-          </a:blip>
-          <a:stretch>
-            <a:fillRect/>
-          </a:stretch>
-        </p:blipFill>
-        <p:spPr>
-          <a:xfrm>
-            <a:off x="0" y="1372790"/>
-            <a:ext cx="9144000" cy="2133049"/>
-          </a:xfrm>
-          <a:prstGeom prst="rect">
-            <a:avLst/>
-          </a:prstGeom>
-        </p:spPr>
-      </p:pic>
     </p:spTree>
     <p:extLst>
       <p:ext uri="{BB962C8B-B14F-4D97-AF65-F5344CB8AC3E}">
-        <p14:creationId xmlns:p14="http://schemas.microsoft.com/office/powerpoint/2010/main" val="4147431683"/>
+        <p14:creationId xmlns:p14="http://schemas.microsoft.com/office/powerpoint/2010/main" val="2521994215"/>
       </p:ext>
     </p:extLst>
   </p:cSld>
@@ -9652,40 +9681,179 @@
           </a:p>
         </p:txBody>
       </p:sp>
-      <p:pic>
-        <p:nvPicPr>
-          <p:cNvPr id="7" name="Picture 6" descr="Screen Shot 2015-02-20 at 09.00.44.png"/>
-          <p:cNvPicPr>
-            <a:picLocks noChangeAspect="1"/>
-          </p:cNvPicPr>
+      <p:sp>
+        <p:nvSpPr>
+          <p:cNvPr id="4" name="Rectangle 3"/>
+          <p:cNvSpPr/>
           <p:nvPr/>
-        </p:nvPicPr>
-        <p:blipFill>
-          <a:blip r:embed="rId2" cstate="print">
-            <a:extLst>
-              <a:ext uri="{28A0092B-C50C-407E-A947-70E740481C1C}">
-                <a14:useLocalDpi xmlns:a14="http://schemas.microsoft.com/office/drawing/2010/main" val="0"/>
-              </a:ext>
-            </a:extLst>
-          </a:blip>
-          <a:stretch>
-            <a:fillRect/>
-          </a:stretch>
-        </p:blipFill>
+        </p:nvSpPr>
         <p:spPr>
           <a:xfrm>
-            <a:off x="0" y="1116360"/>
-            <a:ext cx="9144000" cy="3924747"/>
+            <a:off x="296739" y="1279089"/>
+            <a:ext cx="4572000" cy="2585323"/>
           </a:xfrm>
           <a:prstGeom prst="rect">
             <a:avLst/>
           </a:prstGeom>
         </p:spPr>
-      </p:pic>
+        <p:txBody>
+          <a:bodyPr>
+            <a:spAutoFit/>
+          </a:bodyPr>
+          <a:lstStyle/>
+          <a:p>
+            <a:r>
+              <a:rPr lang="en-US" dirty="0" err="1"/>
+              <a:t>allprojects</a:t>
+            </a:r>
+            <a:r>
+              <a:rPr lang="en-US" dirty="0"/>
+              <a:t> {</a:t>
+            </a:r>
+          </a:p>
+          <a:p>
+            <a:r>
+              <a:rPr lang="en-US" dirty="0"/>
+              <a:t>    repositories {</a:t>
+            </a:r>
+          </a:p>
+          <a:p>
+            <a:r>
+              <a:rPr lang="en-US" dirty="0"/>
+              <a:t>        </a:t>
+            </a:r>
+            <a:r>
+              <a:rPr lang="en-US" dirty="0" err="1"/>
+              <a:t>jcenter</a:t>
+            </a:r>
+            <a:r>
+              <a:rPr lang="en-US" dirty="0"/>
+              <a:t>()</a:t>
+            </a:r>
+          </a:p>
+          <a:p>
+            <a:r>
+              <a:rPr lang="en-US" dirty="0"/>
+              <a:t>        maven {</a:t>
+            </a:r>
+          </a:p>
+          <a:p>
+            <a:r>
+              <a:rPr lang="en-US" dirty="0"/>
+              <a:t>            </a:t>
+            </a:r>
+            <a:r>
+              <a:rPr lang="en-US" dirty="0" err="1"/>
+              <a:t>url</a:t>
+            </a:r>
+            <a:r>
+              <a:rPr lang="en-US" dirty="0"/>
+              <a:t> "http://</a:t>
+            </a:r>
+            <a:r>
+              <a:rPr lang="en-US" dirty="0" err="1"/>
+              <a:t>files.couchbase.com</a:t>
+            </a:r>
+            <a:r>
+              <a:rPr lang="en-US" dirty="0"/>
+              <a:t>/maven2/"</a:t>
+            </a:r>
+          </a:p>
+          <a:p>
+            <a:r>
+              <a:rPr lang="en-US" dirty="0"/>
+              <a:t>        }</a:t>
+            </a:r>
+          </a:p>
+          <a:p>
+            <a:r>
+              <a:rPr lang="en-US" dirty="0"/>
+              <a:t>    }</a:t>
+            </a:r>
+          </a:p>
+          <a:p>
+            <a:r>
+              <a:rPr lang="en-US" dirty="0"/>
+              <a:t>}</a:t>
+            </a:r>
+          </a:p>
+        </p:txBody>
+      </p:sp>
+      <p:sp>
+        <p:nvSpPr>
+          <p:cNvPr id="7" name="Rectangle 6"/>
+          <p:cNvSpPr/>
+          <p:nvPr/>
+        </p:nvSpPr>
+        <p:spPr>
+          <a:xfrm>
+            <a:off x="4398264" y="1279089"/>
+            <a:ext cx="4572000" cy="2308324"/>
+          </a:xfrm>
+          <a:prstGeom prst="rect">
+            <a:avLst/>
+          </a:prstGeom>
+        </p:spPr>
+        <p:txBody>
+          <a:bodyPr>
+            <a:spAutoFit/>
+          </a:bodyPr>
+          <a:lstStyle/>
+          <a:p>
+            <a:endParaRPr lang="en-US" dirty="0"/>
+          </a:p>
+          <a:p>
+            <a:r>
+              <a:rPr lang="en-US" dirty="0"/>
+              <a:t>dependencies {</a:t>
+            </a:r>
+          </a:p>
+          <a:p>
+            <a:r>
+              <a:rPr lang="en-US" dirty="0"/>
+              <a:t>    compile </a:t>
+            </a:r>
+            <a:r>
+              <a:rPr lang="en-US" dirty="0" err="1"/>
+              <a:t>fileTree</a:t>
+            </a:r>
+            <a:r>
+              <a:rPr lang="en-US" dirty="0"/>
+              <a:t>(</a:t>
+            </a:r>
+            <a:r>
+              <a:rPr lang="en-US" dirty="0" err="1"/>
+              <a:t>dir</a:t>
+            </a:r>
+            <a:r>
+              <a:rPr lang="en-US" dirty="0"/>
+              <a:t>: 'libs', include: ['*.jar'])</a:t>
+            </a:r>
+          </a:p>
+          <a:p>
+            <a:r>
+              <a:rPr lang="en-US" dirty="0"/>
+              <a:t>    compile 'com.android.support:support-v4:21.0.3'</a:t>
+            </a:r>
+          </a:p>
+          <a:p>
+            <a:r>
+              <a:rPr lang="en-US" dirty="0"/>
+              <a:t>    compile 'com.couchbase.lite:couchbase-lite-android:1.0.4'</a:t>
+            </a:r>
+          </a:p>
+          <a:p>
+            <a:r>
+              <a:rPr lang="en-US" dirty="0"/>
+              <a:t>}</a:t>
+            </a:r>
+          </a:p>
+        </p:txBody>
+      </p:sp>
     </p:spTree>
     <p:extLst>
       <p:ext uri="{BB962C8B-B14F-4D97-AF65-F5344CB8AC3E}">
-        <p14:creationId xmlns:p14="http://schemas.microsoft.com/office/powerpoint/2010/main" val="302522648"/>
+        <p14:creationId xmlns:p14="http://schemas.microsoft.com/office/powerpoint/2010/main" val="4147431683"/>
       </p:ext>
     </p:extLst>
   </p:cSld>
@@ -9775,7 +9943,7 @@
                   <a:srgbClr val="FFFFFF"/>
                 </a:solidFill>
               </a:rPr>
-              <a:t>This requires to:</a:t>
+              <a:t>Compilation issues?</a:t>
             </a:r>
             <a:endParaRPr sz="2800" b="1" dirty="0">
               <a:solidFill>
@@ -10068,31 +10236,110 @@
                 </a:solidFill>
               </a:defRPr>
             </a:pPr>
-            <a:r>
-              <a:rPr lang="en-US" sz="3600" dirty="0" smtClean="0"/>
-              <a:t>Create a new Application class to manage the Database</a:t>
-            </a:r>
-          </a:p>
-          <a:p>
-            <a:pPr marL="342900" indent="-342900">
-              <a:defRPr sz="1800">
-                <a:solidFill>
-                  <a:srgbClr val="000000"/>
-                </a:solidFill>
-              </a:defRPr>
-            </a:pPr>
-            <a:r>
-              <a:rPr lang="en-US" sz="3600" dirty="0" smtClean="0"/>
-              <a:t>Add create/save methods to the Presentation</a:t>
-            </a:r>
             <a:endParaRPr lang="en-US" sz="3600" dirty="0"/>
+          </a:p>
+        </p:txBody>
+      </p:sp>
+      <p:sp>
+        <p:nvSpPr>
+          <p:cNvPr id="2" name="Rectangle 1"/>
+          <p:cNvSpPr/>
+          <p:nvPr/>
+        </p:nvSpPr>
+        <p:spPr>
+          <a:xfrm>
+            <a:off x="161350" y="1279089"/>
+            <a:ext cx="8681460" cy="2031325"/>
+          </a:xfrm>
+          <a:prstGeom prst="rect">
+            <a:avLst/>
+          </a:prstGeom>
+        </p:spPr>
+        <p:txBody>
+          <a:bodyPr wrap="square">
+            <a:spAutoFit/>
+          </a:bodyPr>
+          <a:lstStyle/>
+          <a:p>
+            <a:r>
+              <a:rPr lang="en-US" dirty="0"/>
+              <a:t> // workaround for "duplicate files during packaging of APK" issue</a:t>
+            </a:r>
+          </a:p>
+          <a:p>
+            <a:r>
+              <a:rPr lang="en-US" dirty="0"/>
+              <a:t>    // see https://</a:t>
+            </a:r>
+            <a:r>
+              <a:rPr lang="en-US" dirty="0" err="1"/>
+              <a:t>groups.google.com</a:t>
+            </a:r>
+            <a:r>
+              <a:rPr lang="en-US" dirty="0"/>
+              <a:t>/d/</a:t>
+            </a:r>
+            <a:r>
+              <a:rPr lang="en-US" dirty="0" err="1"/>
+              <a:t>msg</a:t>
+            </a:r>
+            <a:r>
+              <a:rPr lang="en-US" dirty="0"/>
+              <a:t>/</a:t>
+            </a:r>
+            <a:r>
+              <a:rPr lang="en-US" dirty="0" err="1"/>
+              <a:t>adt-dev</a:t>
+            </a:r>
+            <a:r>
+              <a:rPr lang="en-US" dirty="0"/>
+              <a:t>/bl5Rc4Szpzg/wC8cylTWuIEJ</a:t>
+            </a:r>
+          </a:p>
+          <a:p>
+            <a:r>
+              <a:rPr lang="en-US" dirty="0"/>
+              <a:t>    </a:t>
+            </a:r>
+            <a:r>
+              <a:rPr lang="en-US" dirty="0" err="1"/>
+              <a:t>packagingOptions</a:t>
+            </a:r>
+            <a:r>
+              <a:rPr lang="en-US" dirty="0"/>
+              <a:t> {</a:t>
+            </a:r>
+          </a:p>
+          <a:p>
+            <a:r>
+              <a:rPr lang="en-US" dirty="0"/>
+              <a:t>        exclude 'META-INF/ASL2.0'</a:t>
+            </a:r>
+          </a:p>
+          <a:p>
+            <a:r>
+              <a:rPr lang="en-US" dirty="0"/>
+              <a:t>        exclude 'META-INF/LICENSE'</a:t>
+            </a:r>
+          </a:p>
+          <a:p>
+            <a:r>
+              <a:rPr lang="en-US" dirty="0"/>
+              <a:t>        exclude 'META-INF/NOTICE'</a:t>
+            </a:r>
+          </a:p>
+          <a:p>
+            <a:r>
+              <a:rPr lang="en-US" dirty="0"/>
+              <a:t>    }</a:t>
+            </a:r>
           </a:p>
         </p:txBody>
       </p:sp>
     </p:spTree>
     <p:extLst>
       <p:ext uri="{BB962C8B-B14F-4D97-AF65-F5344CB8AC3E}">
-        <p14:creationId xmlns:p14="http://schemas.microsoft.com/office/powerpoint/2010/main" val="2521994215"/>
+        <p14:creationId xmlns:p14="http://schemas.microsoft.com/office/powerpoint/2010/main" val="302522648"/>
       </p:ext>
     </p:extLst>
   </p:cSld>
@@ -13622,11 +13869,28 @@
             </a:pPr>
             <a:r>
               <a:rPr lang="en-US" sz="3600" dirty="0" smtClean="0"/>
-              <a:t>Start </a:t>
-            </a:r>
-            <a:r>
-              <a:rPr lang="en-US" sz="3600" dirty="0"/>
-              <a:t>by Reading </a:t>
+              <a:t>No code to add on the app, move to next tag with </a:t>
+            </a:r>
+            <a:r>
+              <a:rPr lang="en-US" sz="3600" i="1" dirty="0" err="1" smtClean="0"/>
+              <a:t>git</a:t>
+            </a:r>
+            <a:r>
+              <a:rPr lang="en-US" sz="3600" i="1" dirty="0" smtClean="0"/>
+              <a:t> checkout step5</a:t>
+            </a:r>
+          </a:p>
+          <a:p>
+            <a:pPr marL="342900" indent="-342900">
+              <a:defRPr sz="1800">
+                <a:solidFill>
+                  <a:srgbClr val="000000"/>
+                </a:solidFill>
+              </a:defRPr>
+            </a:pPr>
+            <a:r>
+              <a:rPr lang="en-US" sz="3600" dirty="0" smtClean="0"/>
+              <a:t>Instructions are in </a:t>
             </a:r>
             <a:r>
               <a:rPr lang="en-US" sz="3600" dirty="0" err="1" smtClean="0"/>
@@ -13635,17 +13899,15 @@
             <a:endParaRPr lang="en-US" sz="3600" dirty="0" smtClean="0"/>
           </a:p>
           <a:p>
-            <a:pPr marL="342900" indent="-342900">
+            <a:pPr marL="0" indent="0">
+              <a:buNone/>
               <a:defRPr sz="1800">
                 <a:solidFill>
                   <a:srgbClr val="000000"/>
                 </a:solidFill>
               </a:defRPr>
             </a:pPr>
-            <a:r>
-              <a:rPr lang="en-US" sz="3600" dirty="0" smtClean="0"/>
-              <a:t> </a:t>
-            </a:r>
+            <a:endParaRPr lang="en-US" sz="3600" dirty="0" smtClean="0"/>
           </a:p>
         </p:txBody>
       </p:sp>
@@ -14547,7 +14809,7 @@
             </a:r>
             <a:r>
               <a:rPr lang="en-US" sz="2000" dirty="0" smtClean="0"/>
-              <a:t>, including content </a:t>
+              <a:t>, including content, </a:t>
             </a:r>
             <a:r>
               <a:rPr lang="en-US" sz="2000" dirty="0" err="1" smtClean="0"/>
@@ -14893,15 +15155,7 @@
           <a:p>
             <a:r>
               <a:rPr lang="en-US" sz="2000" b="1" dirty="0" smtClean="0"/>
-              <a:t>Lives in the data </a:t>
-            </a:r>
-            <a:r>
-              <a:rPr lang="en-US" sz="2000" b="1" dirty="0" smtClean="0"/>
-              <a:t>center </a:t>
-            </a:r>
-            <a:r>
-              <a:rPr lang="en-US" sz="2000" b="1" dirty="0" smtClean="0"/>
-              <a:t>or cloud environment</a:t>
+              <a:t>Lives in the data center or cloud environment</a:t>
             </a:r>
           </a:p>
           <a:p>
